--- a/myAgro Food Security Impact Report November 2025.pptx
+++ b/myAgro Food Security Impact Report November 2025.pptx
@@ -5,7 +5,7 @@
     <p:sldMasterId id="2147483661" r:id="rId1"/>
   </p:sldMasterIdLst>
   <p:notesMasterIdLst>
-    <p:notesMasterId r:id="rId28"/>
+    <p:notesMasterId r:id="rId27"/>
   </p:notesMasterIdLst>
   <p:sldIdLst>
     <p:sldId id="256" r:id="rId2"/>
@@ -33,34 +33,33 @@
     <p:sldId id="278" r:id="rId24"/>
     <p:sldId id="279" r:id="rId25"/>
     <p:sldId id="280" r:id="rId26"/>
-    <p:sldId id="281" r:id="rId27"/>
   </p:sldIdLst>
   <p:sldSz cx="9144000" cy="5143500" type="screen16x9"/>
   <p:notesSz cx="6858000" cy="9144000"/>
   <p:embeddedFontLst>
     <p:embeddedFont>
-      <p:font typeface="Manrope SemiBold" panose="020B0604020202020204" charset="0"/>
-      <p:regular r:id="rId29"/>
-      <p:bold r:id="rId30"/>
+      <p:font typeface="Calibri" panose="020F0502020204030204" pitchFamily="34" charset="0"/>
+      <p:regular r:id="rId28"/>
+      <p:bold r:id="rId29"/>
+      <p:italic r:id="rId30"/>
+      <p:boldItalic r:id="rId31"/>
+    </p:embeddedFont>
+    <p:embeddedFont>
+      <p:font typeface="Lato" panose="020B0604020202020204" charset="0"/>
+      <p:regular r:id="rId32"/>
+      <p:bold r:id="rId33"/>
+      <p:italic r:id="rId34"/>
+      <p:boldItalic r:id="rId35"/>
     </p:embeddedFont>
     <p:embeddedFont>
       <p:font typeface="Manrope" panose="020B0604020202020204" charset="0"/>
-      <p:regular r:id="rId31"/>
-      <p:bold r:id="rId32"/>
+      <p:regular r:id="rId36"/>
+      <p:bold r:id="rId37"/>
     </p:embeddedFont>
     <p:embeddedFont>
-      <p:font typeface="Lato" panose="020B0604020202020204" charset="0"/>
-      <p:regular r:id="rId33"/>
-      <p:bold r:id="rId34"/>
-      <p:italic r:id="rId35"/>
-      <p:boldItalic r:id="rId36"/>
-    </p:embeddedFont>
-    <p:embeddedFont>
-      <p:font typeface="Calibri" panose="020F0502020204030204" pitchFamily="34" charset="0"/>
-      <p:regular r:id="rId37"/>
-      <p:bold r:id="rId38"/>
-      <p:italic r:id="rId39"/>
-      <p:boldItalic r:id="rId40"/>
+      <p:font typeface="Manrope SemiBold" panose="020B0604020202020204" charset="0"/>
+      <p:regular r:id="rId38"/>
+      <p:bold r:id="rId39"/>
     </p:embeddedFont>
   </p:embeddedFontLst>
   <p:defaultTextStyle>
@@ -2668,7 +2667,7 @@
         </p:nvSpPr>
         <p:spPr>
           <a:xfrm>
-            <a:off x="381300" y="685800"/>
+            <a:off x="381000" y="685800"/>
             <a:ext cx="6096000" cy="3429000"/>
           </a:xfrm>
           <a:custGeom>
@@ -2728,110 +2727,6 @@
               </a:lnSpc>
               <a:spcBef>
                 <a:spcPts val="1000"/>
-              </a:spcBef>
-              <a:spcAft>
-                <a:spcPts val="0"/>
-              </a:spcAft>
-              <a:buNone/>
-            </a:pPr>
-            <a:endParaRPr/>
-          </a:p>
-        </p:txBody>
-      </p:sp>
-    </p:spTree>
-  </p:cSld>
-  <p:clrMapOvr>
-    <a:masterClrMapping/>
-  </p:clrMapOvr>
-</p:notes>
-</file>
-
-<file path=ppt/notesSlides/notesSlide26.xml><?xml version="1.0" encoding="utf-8"?>
-<p:notes xmlns:a="http://schemas.openxmlformats.org/drawingml/2006/main" xmlns:r="http://schemas.openxmlformats.org/officeDocument/2006/relationships" xmlns:p="http://schemas.openxmlformats.org/presentationml/2006/main" showMasterSp="0" showMasterPhAnim="0">
-  <p:cSld>
-    <p:spTree>
-      <p:nvGrpSpPr>
-        <p:cNvPr id="1" name="Shape 276"/>
-        <p:cNvGrpSpPr/>
-        <p:nvPr/>
-      </p:nvGrpSpPr>
-      <p:grpSpPr>
-        <a:xfrm>
-          <a:off x="0" y="0"/>
-          <a:ext cx="0" cy="0"/>
-          <a:chOff x="0" y="0"/>
-          <a:chExt cx="0" cy="0"/>
-        </a:xfrm>
-      </p:grpSpPr>
-      <p:sp>
-        <p:nvSpPr>
-          <p:cNvPr id="277" name="Google Shape;277;g3add6a367fe_0_16:notes"/>
-          <p:cNvSpPr>
-            <a:spLocks noGrp="1" noRot="1" noChangeAspect="1"/>
-          </p:cNvSpPr>
-          <p:nvPr>
-            <p:ph type="sldImg" idx="2"/>
-          </p:nvPr>
-        </p:nvSpPr>
-        <p:spPr>
-          <a:xfrm>
-            <a:off x="381300" y="685800"/>
-            <a:ext cx="6096000" cy="3429000"/>
-          </a:xfrm>
-          <a:custGeom>
-            <a:avLst/>
-            <a:gdLst/>
-            <a:ahLst/>
-            <a:cxnLst/>
-            <a:rect l="l" t="t" r="r" b="b"/>
-            <a:pathLst>
-              <a:path w="120000" h="120000" extrusionOk="0">
-                <a:moveTo>
-                  <a:pt x="0" y="0"/>
-                </a:moveTo>
-                <a:lnTo>
-                  <a:pt x="120000" y="0"/>
-                </a:lnTo>
-                <a:lnTo>
-                  <a:pt x="120000" y="120000"/>
-                </a:lnTo>
-                <a:lnTo>
-                  <a:pt x="0" y="120000"/>
-                </a:lnTo>
-                <a:close/>
-              </a:path>
-            </a:pathLst>
-          </a:custGeom>
-        </p:spPr>
-      </p:sp>
-      <p:sp>
-        <p:nvSpPr>
-          <p:cNvPr id="278" name="Google Shape;278;g3add6a367fe_0_16:notes"/>
-          <p:cNvSpPr txBox="1">
-            <a:spLocks noGrp="1"/>
-          </p:cNvSpPr>
-          <p:nvPr>
-            <p:ph type="body" idx="1"/>
-          </p:nvPr>
-        </p:nvSpPr>
-        <p:spPr>
-          <a:xfrm>
-            <a:off x="685800" y="4343400"/>
-            <a:ext cx="5486400" cy="4114800"/>
-          </a:xfrm>
-          <a:prstGeom prst="rect">
-            <a:avLst/>
-          </a:prstGeom>
-        </p:spPr>
-        <p:txBody>
-          <a:bodyPr spcFirstLastPara="1" wrap="square" lIns="91425" tIns="91425" rIns="91425" bIns="91425" anchor="t" anchorCtr="0">
-            <a:noAutofit/>
-          </a:bodyPr>
-          <a:lstStyle/>
-          <a:p>
-            <a:pPr marL="0" lvl="0" indent="0" algn="l" rtl="0">
-              <a:spcBef>
-                <a:spcPts val="0"/>
               </a:spcBef>
               <a:spcAft>
                 <a:spcPts val="0"/>
@@ -31555,11 +31450,17 @@
         <p:nvGraphicFramePr>
           <p:cNvPr id="273" name="Google Shape;273;p39"/>
           <p:cNvGraphicFramePr/>
-          <p:nvPr/>
+          <p:nvPr>
+            <p:extLst>
+              <p:ext uri="{D42A27DB-BD31-4B8C-83A1-F6EECF244321}">
+                <p14:modId xmlns:p14="http://schemas.microsoft.com/office/powerpoint/2010/main" val="4133692512"/>
+              </p:ext>
+            </p:extLst>
+          </p:nvPr>
         </p:nvGraphicFramePr>
         <p:xfrm>
-          <a:off x="600677" y="838158"/>
-          <a:ext cx="8081100" cy="4113710"/>
+          <a:off x="600675" y="838158"/>
+          <a:ext cx="7899586" cy="4052925"/>
         </p:xfrm>
         <a:graphic>
           <a:graphicData uri="http://schemas.openxmlformats.org/drawingml/2006/table">
@@ -31569,28 +31470,21 @@
                 <a:tableStyleId>{30DB1E6E-BAFB-4045-8679-1D4DE15F8355}</a:tableStyleId>
               </a:tblPr>
               <a:tblGrid>
-                <a:gridCol w="1689550">
+                <a:gridCol w="2074699">
                   <a:extLst>
                     <a:ext uri="{9D8B030D-6E8A-4147-A177-3AD203B41FA5}">
                       <a16:colId xmlns:a16="http://schemas.microsoft.com/office/drawing/2014/main" val="20000"/>
                     </a:ext>
                   </a:extLst>
                 </a:gridCol>
-                <a:gridCol w="2969625">
+                <a:gridCol w="3864415">
                   <a:extLst>
                     <a:ext uri="{9D8B030D-6E8A-4147-A177-3AD203B41FA5}">
                       <a16:colId xmlns:a16="http://schemas.microsoft.com/office/drawing/2014/main" val="20001"/>
                     </a:ext>
                   </a:extLst>
                 </a:gridCol>
-                <a:gridCol w="1648000">
-                  <a:extLst>
-                    <a:ext uri="{9D8B030D-6E8A-4147-A177-3AD203B41FA5}">
-                      <a16:colId xmlns:a16="http://schemas.microsoft.com/office/drawing/2014/main" val="20002"/>
-                    </a:ext>
-                  </a:extLst>
-                </a:gridCol>
-                <a:gridCol w="1773925">
+                <a:gridCol w="1960472">
                   <a:extLst>
                     <a:ext uri="{9D8B030D-6E8A-4147-A177-3AD203B41FA5}">
                       <a16:colId xmlns:a16="http://schemas.microsoft.com/office/drawing/2014/main" val="20003"/>
@@ -31768,88 +31662,7 @@
                         <a:buNone/>
                       </a:pPr>
                       <a:r>
-                        <a:rPr lang="en" sz="1200" b="1">
-                          <a:solidFill>
-                            <a:schemeClr val="lt1"/>
-                          </a:solidFill>
-                          <a:latin typeface="Manrope"/>
-                          <a:ea typeface="Manrope"/>
-                          <a:cs typeface="Manrope"/>
-                          <a:sym typeface="Manrope"/>
-                        </a:rPr>
-                        <a:t>myAgro Resources</a:t>
-                      </a:r>
-                      <a:endParaRPr sz="1200">
-                        <a:latin typeface="Manrope"/>
-                        <a:ea typeface="Manrope"/>
-                        <a:cs typeface="Manrope"/>
-                        <a:sym typeface="Manrope"/>
-                      </a:endParaRPr>
-                    </a:p>
-                  </a:txBody>
-                  <a:tcPr marL="63500" marR="63500" marT="63500" marB="63500">
-                    <a:lnL w="12700" cap="flat" cmpd="sng">
-                      <a:solidFill>
-                        <a:srgbClr val="000000"/>
-                      </a:solidFill>
-                      <a:prstDash val="solid"/>
-                      <a:round/>
-                      <a:headEnd type="none" w="sm" len="sm"/>
-                      <a:tailEnd type="none" w="sm" len="sm"/>
-                    </a:lnL>
-                    <a:lnR w="12700" cap="flat" cmpd="sng">
-                      <a:solidFill>
-                        <a:srgbClr val="000000"/>
-                      </a:solidFill>
-                      <a:prstDash val="solid"/>
-                      <a:round/>
-                      <a:headEnd type="none" w="sm" len="sm"/>
-                      <a:tailEnd type="none" w="sm" len="sm"/>
-                    </a:lnR>
-                    <a:lnT w="12700" cap="flat" cmpd="sng">
-                      <a:solidFill>
-                        <a:srgbClr val="000000"/>
-                      </a:solidFill>
-                      <a:prstDash val="solid"/>
-                      <a:round/>
-                      <a:headEnd type="none" w="sm" len="sm"/>
-                      <a:tailEnd type="none" w="sm" len="sm"/>
-                    </a:lnT>
-                    <a:lnB w="12700" cap="flat" cmpd="sng">
-                      <a:solidFill>
-                        <a:srgbClr val="000000"/>
-                      </a:solidFill>
-                      <a:prstDash val="solid"/>
-                      <a:round/>
-                      <a:headEnd type="none" w="sm" len="sm"/>
-                      <a:tailEnd type="none" w="sm" len="sm"/>
-                    </a:lnB>
-                    <a:solidFill>
-                      <a:srgbClr val="197B30"/>
-                    </a:solidFill>
-                  </a:tcPr>
-                </a:tc>
-                <a:tc>
-                  <a:txBody>
-                    <a:bodyPr/>
-                    <a:lstStyle/>
-                    <a:p>
-                      <a:pPr marL="0" lvl="0" indent="0" algn="ctr" rtl="0">
-                        <a:spcBef>
-                          <a:spcPts val="0"/>
-                        </a:spcBef>
-                        <a:spcAft>
-                          <a:spcPts val="0"/>
-                        </a:spcAft>
-                        <a:buClr>
-                          <a:schemeClr val="dk1"/>
-                        </a:buClr>
-                        <a:buSzPts val="1100"/>
-                        <a:buFont typeface="Arial"/>
-                        <a:buNone/>
-                      </a:pPr>
-                      <a:r>
-                        <a:rPr lang="en" sz="1200" b="1">
+                        <a:rPr lang="en" sz="1200" b="1" dirty="0">
                           <a:solidFill>
                             <a:schemeClr val="lt1"/>
                           </a:solidFill>
@@ -31860,7 +31673,7 @@
                         </a:rPr>
                         <a:t>External Resources</a:t>
                       </a:r>
-                      <a:endParaRPr sz="1200">
+                      <a:endParaRPr sz="1200" dirty="0">
                         <a:latin typeface="Manrope"/>
                         <a:ea typeface="Manrope"/>
                         <a:cs typeface="Manrope"/>
@@ -31869,7 +31682,7 @@
                     </a:p>
                   </a:txBody>
                   <a:tcPr marL="63500" marR="63500" marT="63500" marB="63500">
-                    <a:lnL w="12700" cap="flat" cmpd="sng">
+                    <a:lnL w="12700" cap="flat" cmpd="sng" algn="ctr">
                       <a:solidFill>
                         <a:srgbClr val="000000"/>
                       </a:solidFill>
@@ -31896,7 +31709,7 @@
                       <a:headEnd type="none" w="sm" len="sm"/>
                       <a:tailEnd type="none" w="sm" len="sm"/>
                     </a:lnT>
-                    <a:lnB w="12700" cap="flat" cmpd="sng">
+                    <a:lnB w="12700" cap="flat" cmpd="sng" algn="ctr">
                       <a:solidFill>
                         <a:srgbClr val="000000"/>
                       </a:solidFill>
@@ -32097,80 +31910,6 @@
                           <a:sym typeface="Manrope"/>
                           <a:hlinkClick r:id="rId3"/>
                         </a:rPr>
-                        <a:t>myAgro ToC outcomes and metric availability (July 2025)</a:t>
-                      </a:r>
-                      <a:endParaRPr sz="900">
-                        <a:latin typeface="Manrope"/>
-                        <a:ea typeface="Manrope"/>
-                        <a:cs typeface="Manrope"/>
-                        <a:sym typeface="Manrope"/>
-                      </a:endParaRPr>
-                    </a:p>
-                  </a:txBody>
-                  <a:tcPr marL="63500" marR="63500" marT="63500" marB="63500">
-                    <a:lnL w="12700" cap="flat" cmpd="sng">
-                      <a:solidFill>
-                        <a:srgbClr val="000000"/>
-                      </a:solidFill>
-                      <a:prstDash val="solid"/>
-                      <a:round/>
-                      <a:headEnd type="none" w="sm" len="sm"/>
-                      <a:tailEnd type="none" w="sm" len="sm"/>
-                    </a:lnL>
-                    <a:lnR w="12700" cap="flat" cmpd="sng">
-                      <a:solidFill>
-                        <a:srgbClr val="000000"/>
-                      </a:solidFill>
-                      <a:prstDash val="solid"/>
-                      <a:round/>
-                      <a:headEnd type="none" w="sm" len="sm"/>
-                      <a:tailEnd type="none" w="sm" len="sm"/>
-                    </a:lnR>
-                    <a:lnT w="12700" cap="flat" cmpd="sng">
-                      <a:solidFill>
-                        <a:srgbClr val="000000"/>
-                      </a:solidFill>
-                      <a:prstDash val="solid"/>
-                      <a:round/>
-                      <a:headEnd type="none" w="sm" len="sm"/>
-                      <a:tailEnd type="none" w="sm" len="sm"/>
-                    </a:lnT>
-                    <a:lnB w="12700" cap="flat" cmpd="sng">
-                      <a:solidFill>
-                        <a:srgbClr val="000000"/>
-                      </a:solidFill>
-                      <a:prstDash val="solid"/>
-                      <a:round/>
-                      <a:headEnd type="none" w="sm" len="sm"/>
-                      <a:tailEnd type="none" w="sm" len="sm"/>
-                    </a:lnB>
-                  </a:tcPr>
-                </a:tc>
-                <a:tc>
-                  <a:txBody>
-                    <a:bodyPr/>
-                    <a:lstStyle/>
-                    <a:p>
-                      <a:pPr marL="0" lvl="0" indent="0" algn="l" rtl="0">
-                        <a:spcBef>
-                          <a:spcPts val="0"/>
-                        </a:spcBef>
-                        <a:spcAft>
-                          <a:spcPts val="0"/>
-                        </a:spcAft>
-                        <a:buNone/>
-                      </a:pPr>
-                      <a:r>
-                        <a:rPr lang="en" sz="900" u="sng">
-                          <a:solidFill>
-                            <a:schemeClr val="hlink"/>
-                          </a:solidFill>
-                          <a:latin typeface="Manrope"/>
-                          <a:ea typeface="Manrope"/>
-                          <a:cs typeface="Manrope"/>
-                          <a:sym typeface="Manrope"/>
-                          <a:hlinkClick r:id="rId4"/>
-                        </a:rPr>
                         <a:t>About the Theory of Change (IDinsight Impact Measurement Guide)</a:t>
                       </a:r>
                       <a:endParaRPr sz="900">
@@ -32182,7 +31921,7 @@
                     </a:p>
                   </a:txBody>
                   <a:tcPr marL="63500" marR="63500" marT="63500" marB="63500">
-                    <a:lnL w="12700" cap="flat" cmpd="sng">
+                    <a:lnL w="12700" cap="flat" cmpd="sng" algn="ctr">
                       <a:solidFill>
                         <a:srgbClr val="000000"/>
                       </a:solidFill>
@@ -32200,7 +31939,7 @@
                       <a:headEnd type="none" w="sm" len="sm"/>
                       <a:tailEnd type="none" w="sm" len="sm"/>
                     </a:lnR>
-                    <a:lnT w="12700" cap="flat" cmpd="sng">
+                    <a:lnT w="12700" cap="flat" cmpd="sng" algn="ctr">
                       <a:solidFill>
                         <a:srgbClr val="000000"/>
                       </a:solidFill>
@@ -32209,7 +31948,7 @@
                       <a:headEnd type="none" w="sm" len="sm"/>
                       <a:tailEnd type="none" w="sm" len="sm"/>
                     </a:lnT>
-                    <a:lnB w="12700" cap="flat" cmpd="sng">
+                    <a:lnB w="12700" cap="flat" cmpd="sng" algn="ctr">
                       <a:solidFill>
                         <a:srgbClr val="000000"/>
                       </a:solidFill>
@@ -32321,7 +32060,7 @@
                         <a:buNone/>
                       </a:pPr>
                       <a:r>
-                        <a:rPr lang="en" sz="900">
+                        <a:rPr lang="en" sz="900" dirty="0">
                           <a:solidFill>
                             <a:srgbClr val="434343"/>
                           </a:solidFill>
@@ -32332,111 +32071,7 @@
                         </a:rPr>
                         <a:t>Measures the frequency and severity of short-term behavioral strategies a household uses when it cannot access enough food or money to buy food. A higher score indicates more coping, and therefore higher food insecurity.</a:t>
                       </a:r>
-                      <a:endParaRPr sz="900">
-                        <a:solidFill>
-                          <a:srgbClr val="434343"/>
-                        </a:solidFill>
-                        <a:latin typeface="Manrope"/>
-                        <a:ea typeface="Manrope"/>
-                        <a:cs typeface="Manrope"/>
-                        <a:sym typeface="Manrope"/>
-                      </a:endParaRPr>
-                    </a:p>
-                  </a:txBody>
-                  <a:tcPr marL="63500" marR="63500" marT="63500" marB="63500">
-                    <a:lnL w="12700" cap="flat" cmpd="sng">
-                      <a:solidFill>
-                        <a:srgbClr val="000000"/>
-                      </a:solidFill>
-                      <a:prstDash val="solid"/>
-                      <a:round/>
-                      <a:headEnd type="none" w="sm" len="sm"/>
-                      <a:tailEnd type="none" w="sm" len="sm"/>
-                    </a:lnL>
-                    <a:lnR w="12700" cap="flat" cmpd="sng">
-                      <a:solidFill>
-                        <a:srgbClr val="000000"/>
-                      </a:solidFill>
-                      <a:prstDash val="solid"/>
-                      <a:round/>
-                      <a:headEnd type="none" w="sm" len="sm"/>
-                      <a:tailEnd type="none" w="sm" len="sm"/>
-                    </a:lnR>
-                    <a:lnT w="12700" cap="flat" cmpd="sng">
-                      <a:solidFill>
-                        <a:srgbClr val="000000"/>
-                      </a:solidFill>
-                      <a:prstDash val="solid"/>
-                      <a:round/>
-                      <a:headEnd type="none" w="sm" len="sm"/>
-                      <a:tailEnd type="none" w="sm" len="sm"/>
-                    </a:lnT>
-                    <a:lnB w="12700" cap="flat" cmpd="sng">
-                      <a:solidFill>
-                        <a:srgbClr val="000000"/>
-                      </a:solidFill>
-                      <a:prstDash val="solid"/>
-                      <a:round/>
-                      <a:headEnd type="none" w="sm" len="sm"/>
-                      <a:tailEnd type="none" w="sm" len="sm"/>
-                    </a:lnB>
-                    <a:solidFill>
-                      <a:srgbClr val="D9EAD3"/>
-                    </a:solidFill>
-                  </a:tcPr>
-                </a:tc>
-                <a:tc>
-                  <a:txBody>
-                    <a:bodyPr/>
-                    <a:lstStyle/>
-                    <a:p>
-                      <a:pPr marL="0" lvl="0" indent="0" algn="l" rtl="0">
-                        <a:spcBef>
-                          <a:spcPts val="0"/>
-                        </a:spcBef>
-                        <a:spcAft>
-                          <a:spcPts val="0"/>
-                        </a:spcAft>
-                        <a:buNone/>
-                      </a:pPr>
-                      <a:r>
-                        <a:rPr lang="en" sz="900">
-                          <a:solidFill>
-                            <a:srgbClr val="434343"/>
-                          </a:solidFill>
-                          <a:latin typeface="Manrope"/>
-                          <a:ea typeface="Manrope"/>
-                          <a:cs typeface="Manrope"/>
-                          <a:sym typeface="Manrope"/>
-                        </a:rPr>
-                        <a:t>Internal food security index/indicator documentation (</a:t>
-                      </a:r>
-                      <a:r>
-                        <a:rPr lang="en" sz="900" u="sng">
-                          <a:solidFill>
-                            <a:schemeClr val="hlink"/>
-                          </a:solidFill>
-                          <a:latin typeface="Manrope"/>
-                          <a:ea typeface="Manrope"/>
-                          <a:cs typeface="Manrope"/>
-                          <a:sym typeface="Manrope"/>
-                          <a:hlinkClick r:id="rId5"/>
-                        </a:rPr>
-                        <a:t>Google Drive</a:t>
-                      </a:r>
-                      <a:r>
-                        <a:rPr lang="en" sz="900">
-                          <a:solidFill>
-                            <a:srgbClr val="434343"/>
-                          </a:solidFill>
-                          <a:latin typeface="Manrope"/>
-                          <a:ea typeface="Manrope"/>
-                          <a:cs typeface="Manrope"/>
-                          <a:sym typeface="Manrope"/>
-                        </a:rPr>
-                        <a:t>)</a:t>
-                      </a:r>
-                      <a:endParaRPr sz="900">
+                      <a:endParaRPr sz="900" dirty="0">
                         <a:solidFill>
                           <a:srgbClr val="434343"/>
                         </a:solidFill>
@@ -32512,7 +32147,7 @@
                           <a:ea typeface="Manrope"/>
                           <a:cs typeface="Manrope"/>
                           <a:sym typeface="Manrope"/>
-                          <a:hlinkClick r:id="rId6"/>
+                          <a:hlinkClick r:id="rId4"/>
                         </a:rPr>
                         <a:t>The Coping Strategies Index Field Methods Manual (2008)</a:t>
                       </a:r>
@@ -32559,7 +32194,7 @@
                           <a:ea typeface="Manrope"/>
                           <a:cs typeface="Manrope"/>
                           <a:sym typeface="Manrope"/>
-                          <a:hlinkClick r:id="rId7"/>
+                          <a:hlinkClick r:id="rId5"/>
                         </a:rPr>
                         <a:t>IndiKit Indicators: rCSI</a:t>
                       </a:r>
@@ -32572,7 +32207,7 @@
                     </a:p>
                   </a:txBody>
                   <a:tcPr marL="63500" marR="63500" marT="63500" marB="63500">
-                    <a:lnL w="12700" cap="flat" cmpd="sng">
+                    <a:lnL w="12700" cap="flat" cmpd="sng" algn="ctr">
                       <a:solidFill>
                         <a:srgbClr val="000000"/>
                       </a:solidFill>
@@ -32590,7 +32225,7 @@
                       <a:headEnd type="none" w="sm" len="sm"/>
                       <a:tailEnd type="none" w="sm" len="sm"/>
                     </a:lnR>
-                    <a:lnT w="12700" cap="flat" cmpd="sng">
+                    <a:lnT w="12700" cap="flat" cmpd="sng" algn="ctr">
                       <a:solidFill>
                         <a:srgbClr val="000000"/>
                       </a:solidFill>
@@ -32599,7 +32234,7 @@
                       <a:headEnd type="none" w="sm" len="sm"/>
                       <a:tailEnd type="none" w="sm" len="sm"/>
                     </a:lnT>
-                    <a:lnB w="12700" cap="flat" cmpd="sng">
+                    <a:lnB w="12700" cap="flat" cmpd="sng" algn="ctr">
                       <a:solidFill>
                         <a:srgbClr val="000000"/>
                       </a:solidFill>
@@ -32789,67 +32424,6 @@
                     <a:lstStyle/>
                     <a:p>
                       <a:pPr marL="0" lvl="0" indent="0" algn="l" rtl="0">
-                        <a:spcBef>
-                          <a:spcPts val="0"/>
-                        </a:spcBef>
-                        <a:spcAft>
-                          <a:spcPts val="0"/>
-                        </a:spcAft>
-                        <a:buNone/>
-                      </a:pPr>
-                      <a:endParaRPr sz="900">
-                        <a:latin typeface="Manrope"/>
-                        <a:ea typeface="Manrope"/>
-                        <a:cs typeface="Manrope"/>
-                        <a:sym typeface="Manrope"/>
-                      </a:endParaRPr>
-                    </a:p>
-                  </a:txBody>
-                  <a:tcPr marL="63500" marR="63500" marT="63500" marB="63500">
-                    <a:lnL w="12700" cap="flat" cmpd="sng">
-                      <a:solidFill>
-                        <a:srgbClr val="000000"/>
-                      </a:solidFill>
-                      <a:prstDash val="solid"/>
-                      <a:round/>
-                      <a:headEnd type="none" w="sm" len="sm"/>
-                      <a:tailEnd type="none" w="sm" len="sm"/>
-                    </a:lnL>
-                    <a:lnR w="12700" cap="flat" cmpd="sng">
-                      <a:solidFill>
-                        <a:srgbClr val="000000"/>
-                      </a:solidFill>
-                      <a:prstDash val="solid"/>
-                      <a:round/>
-                      <a:headEnd type="none" w="sm" len="sm"/>
-                      <a:tailEnd type="none" w="sm" len="sm"/>
-                    </a:lnR>
-                    <a:lnT w="12700" cap="flat" cmpd="sng">
-                      <a:solidFill>
-                        <a:srgbClr val="000000"/>
-                      </a:solidFill>
-                      <a:prstDash val="solid"/>
-                      <a:round/>
-                      <a:headEnd type="none" w="sm" len="sm"/>
-                      <a:tailEnd type="none" w="sm" len="sm"/>
-                    </a:lnT>
-                    <a:lnB w="12700" cap="flat" cmpd="sng">
-                      <a:solidFill>
-                        <a:srgbClr val="000000"/>
-                      </a:solidFill>
-                      <a:prstDash val="solid"/>
-                      <a:round/>
-                      <a:headEnd type="none" w="sm" len="sm"/>
-                      <a:tailEnd type="none" w="sm" len="sm"/>
-                    </a:lnB>
-                  </a:tcPr>
-                </a:tc>
-                <a:tc>
-                  <a:txBody>
-                    <a:bodyPr/>
-                    <a:lstStyle/>
-                    <a:p>
-                      <a:pPr marL="0" lvl="0" indent="0" algn="l" rtl="0">
                         <a:lnSpc>
                           <a:spcPct val="115000"/>
                         </a:lnSpc>
@@ -32870,7 +32444,7 @@
                           <a:ea typeface="Manrope"/>
                           <a:cs typeface="Manrope"/>
                           <a:sym typeface="Manrope"/>
-                          <a:hlinkClick r:id="rId8"/>
+                          <a:hlinkClick r:id="rId6"/>
                         </a:rPr>
                         <a:t>IPC Overview</a:t>
                       </a:r>
@@ -32925,7 +32499,7 @@
                           <a:ea typeface="Manrope"/>
                           <a:cs typeface="Manrope"/>
                           <a:sym typeface="Manrope"/>
-                          <a:hlinkClick r:id="rId7"/>
+                          <a:hlinkClick r:id="rId5"/>
                         </a:rPr>
                         <a:t>IndiKit Indicators: rCSI to IPC phase coding guidance</a:t>
                       </a:r>
@@ -32938,7 +32512,7 @@
                     </a:p>
                   </a:txBody>
                   <a:tcPr marL="63500" marR="63500" marT="63500" marB="63500">
-                    <a:lnL w="12700" cap="flat" cmpd="sng">
+                    <a:lnL w="12700" cap="flat" cmpd="sng" algn="ctr">
                       <a:solidFill>
                         <a:srgbClr val="000000"/>
                       </a:solidFill>
@@ -32956,7 +32530,7 @@
                       <a:headEnd type="none" w="sm" len="sm"/>
                       <a:tailEnd type="none" w="sm" len="sm"/>
                     </a:lnR>
-                    <a:lnT w="12700" cap="flat" cmpd="sng">
+                    <a:lnT w="12700" cap="flat" cmpd="sng" algn="ctr">
                       <a:solidFill>
                         <a:srgbClr val="000000"/>
                       </a:solidFill>
@@ -32965,7 +32539,7 @@
                       <a:headEnd type="none" w="sm" len="sm"/>
                       <a:tailEnd type="none" w="sm" len="sm"/>
                     </a:lnT>
-                    <a:lnB w="12700" cap="flat" cmpd="sng">
+                    <a:lnB w="12700" cap="flat" cmpd="sng" algn="ctr">
                       <a:solidFill>
                         <a:srgbClr val="000000"/>
                       </a:solidFill>
@@ -33155,7 +32729,20 @@
                         </a:spcAft>
                         <a:buNone/>
                       </a:pPr>
-                      <a:endParaRPr sz="900">
+                      <a:r>
+                        <a:rPr lang="en" sz="900" u="sng" dirty="0">
+                          <a:solidFill>
+                            <a:schemeClr val="hlink"/>
+                          </a:solidFill>
+                          <a:latin typeface="Manrope"/>
+                          <a:ea typeface="Manrope"/>
+                          <a:cs typeface="Manrope"/>
+                          <a:sym typeface="Manrope"/>
+                          <a:hlinkClick r:id="rId7"/>
+                        </a:rPr>
+                        <a:t>About PPI</a:t>
+                      </a:r>
+                      <a:endParaRPr sz="900" dirty="0">
                         <a:latin typeface="Manrope"/>
                         <a:ea typeface="Manrope"/>
                         <a:cs typeface="Manrope"/>
@@ -33164,7 +32751,7 @@
                     </a:p>
                   </a:txBody>
                   <a:tcPr marL="63500" marR="63500" marT="63500" marB="63500">
-                    <a:lnL w="12700" cap="flat" cmpd="sng">
+                    <a:lnL w="12700" cap="flat" cmpd="sng" algn="ctr">
                       <a:solidFill>
                         <a:srgbClr val="000000"/>
                       </a:solidFill>
@@ -33182,84 +32769,7 @@
                       <a:headEnd type="none" w="sm" len="sm"/>
                       <a:tailEnd type="none" w="sm" len="sm"/>
                     </a:lnR>
-                    <a:lnT w="12700" cap="flat" cmpd="sng">
-                      <a:solidFill>
-                        <a:srgbClr val="000000"/>
-                      </a:solidFill>
-                      <a:prstDash val="solid"/>
-                      <a:round/>
-                      <a:headEnd type="none" w="sm" len="sm"/>
-                      <a:tailEnd type="none" w="sm" len="sm"/>
-                    </a:lnT>
-                    <a:lnB w="12700" cap="flat" cmpd="sng">
-                      <a:solidFill>
-                        <a:srgbClr val="000000"/>
-                      </a:solidFill>
-                      <a:prstDash val="solid"/>
-                      <a:round/>
-                      <a:headEnd type="none" w="sm" len="sm"/>
-                      <a:tailEnd type="none" w="sm" len="sm"/>
-                    </a:lnB>
-                    <a:solidFill>
-                      <a:srgbClr val="D9EAD3"/>
-                    </a:solidFill>
-                  </a:tcPr>
-                </a:tc>
-                <a:tc>
-                  <a:txBody>
-                    <a:bodyPr/>
-                    <a:lstStyle/>
-                    <a:p>
-                      <a:pPr marL="0" lvl="0" indent="0" algn="l" rtl="0">
-                        <a:spcBef>
-                          <a:spcPts val="0"/>
-                        </a:spcBef>
-                        <a:spcAft>
-                          <a:spcPts val="0"/>
-                        </a:spcAft>
-                        <a:buNone/>
-                      </a:pPr>
-                      <a:r>
-                        <a:rPr lang="en" sz="900" u="sng">
-                          <a:solidFill>
-                            <a:schemeClr val="hlink"/>
-                          </a:solidFill>
-                          <a:latin typeface="Manrope"/>
-                          <a:ea typeface="Manrope"/>
-                          <a:cs typeface="Manrope"/>
-                          <a:sym typeface="Manrope"/>
-                          <a:hlinkClick r:id="rId9"/>
-                        </a:rPr>
-                        <a:t>About PPI</a:t>
-                      </a:r>
-                      <a:endParaRPr sz="900">
-                        <a:latin typeface="Manrope"/>
-                        <a:ea typeface="Manrope"/>
-                        <a:cs typeface="Manrope"/>
-                        <a:sym typeface="Manrope"/>
-                      </a:endParaRPr>
-                    </a:p>
-                  </a:txBody>
-                  <a:tcPr marL="63500" marR="63500" marT="63500" marB="63500">
-                    <a:lnL w="12700" cap="flat" cmpd="sng">
-                      <a:solidFill>
-                        <a:srgbClr val="000000"/>
-                      </a:solidFill>
-                      <a:prstDash val="solid"/>
-                      <a:round/>
-                      <a:headEnd type="none" w="sm" len="sm"/>
-                      <a:tailEnd type="none" w="sm" len="sm"/>
-                    </a:lnL>
-                    <a:lnR w="12700" cap="flat" cmpd="sng">
-                      <a:solidFill>
-                        <a:srgbClr val="000000"/>
-                      </a:solidFill>
-                      <a:prstDash val="solid"/>
-                      <a:round/>
-                      <a:headEnd type="none" w="sm" len="sm"/>
-                      <a:tailEnd type="none" w="sm" len="sm"/>
-                    </a:lnR>
-                    <a:lnT w="12700" cap="flat" cmpd="sng">
+                    <a:lnT w="12700" cap="flat" cmpd="sng" algn="ctr">
                       <a:solidFill>
                         <a:srgbClr val="000000"/>
                       </a:solidFill>
@@ -33372,7 +32882,7 @@
           <p:nvPr/>
         </p:nvPicPr>
         <p:blipFill rotWithShape="1">
-          <a:blip r:embed="rId10">
+          <a:blip r:embed="rId8">
             <a:alphaModFix/>
           </a:blip>
           <a:srcRect/>
@@ -33392,381 +32902,6 @@
           </a:ln>
         </p:spPr>
       </p:pic>
-    </p:spTree>
-  </p:cSld>
-  <p:clrMapOvr>
-    <a:masterClrMapping/>
-  </p:clrMapOvr>
-</p:sld>
-</file>
-
-<file path=ppt/slides/slide26.xml><?xml version="1.0" encoding="utf-8"?>
-<p:sld xmlns:a="http://schemas.openxmlformats.org/drawingml/2006/main" xmlns:r="http://schemas.openxmlformats.org/officeDocument/2006/relationships" xmlns:p="http://schemas.openxmlformats.org/presentationml/2006/main">
-  <p:cSld>
-    <p:spTree>
-      <p:nvGrpSpPr>
-        <p:cNvPr id="1" name="Shape 279"/>
-        <p:cNvGrpSpPr/>
-        <p:nvPr/>
-      </p:nvGrpSpPr>
-      <p:grpSpPr>
-        <a:xfrm>
-          <a:off x="0" y="0"/>
-          <a:ext cx="0" cy="0"/>
-          <a:chOff x="0" y="0"/>
-          <a:chExt cx="0" cy="0"/>
-        </a:xfrm>
-      </p:grpSpPr>
-      <p:sp>
-        <p:nvSpPr>
-          <p:cNvPr id="280" name="Google Shape;280;p40"/>
-          <p:cNvSpPr txBox="1"/>
-          <p:nvPr/>
-        </p:nvSpPr>
-        <p:spPr>
-          <a:xfrm>
-            <a:off x="854201" y="83975"/>
-            <a:ext cx="7689000" cy="600300"/>
-          </a:xfrm>
-          <a:prstGeom prst="rect">
-            <a:avLst/>
-          </a:prstGeom>
-          <a:noFill/>
-          <a:ln>
-            <a:noFill/>
-          </a:ln>
-        </p:spPr>
-        <p:txBody>
-          <a:bodyPr spcFirstLastPara="1" wrap="square" lIns="91425" tIns="91425" rIns="91425" bIns="91425" anchor="t" anchorCtr="0">
-            <a:spAutoFit/>
-          </a:bodyPr>
-          <a:lstStyle/>
-          <a:p>
-            <a:pPr marL="0" lvl="0" indent="0" algn="l" rtl="0">
-              <a:lnSpc>
-                <a:spcPct val="90000"/>
-              </a:lnSpc>
-              <a:spcBef>
-                <a:spcPts val="0"/>
-              </a:spcBef>
-              <a:spcAft>
-                <a:spcPts val="0"/>
-              </a:spcAft>
-              <a:buNone/>
-            </a:pPr>
-            <a:r>
-              <a:rPr lang="en" sz="3000">
-                <a:solidFill>
-                  <a:schemeClr val="dk1"/>
-                </a:solidFill>
-                <a:latin typeface="Manrope SemiBold"/>
-                <a:ea typeface="Manrope SemiBold"/>
-                <a:cs typeface="Manrope SemiBold"/>
-                <a:sym typeface="Manrope SemiBold"/>
-              </a:rPr>
-              <a:t>Appendix B | </a:t>
-            </a:r>
-            <a:r>
-              <a:rPr lang="en" sz="3000">
-                <a:solidFill>
-                  <a:srgbClr val="888888"/>
-                </a:solidFill>
-                <a:latin typeface="Manrope SemiBold"/>
-                <a:ea typeface="Manrope SemiBold"/>
-                <a:cs typeface="Manrope SemiBold"/>
-                <a:sym typeface="Manrope SemiBold"/>
-              </a:rPr>
-              <a:t>Additional Resources</a:t>
-            </a:r>
-            <a:endParaRPr sz="2200">
-              <a:solidFill>
-                <a:srgbClr val="888888"/>
-              </a:solidFill>
-              <a:latin typeface="Manrope SemiBold"/>
-              <a:ea typeface="Manrope SemiBold"/>
-              <a:cs typeface="Manrope SemiBold"/>
-              <a:sym typeface="Manrope SemiBold"/>
-            </a:endParaRPr>
-          </a:p>
-        </p:txBody>
-      </p:sp>
-      <p:pic>
-        <p:nvPicPr>
-          <p:cNvPr id="281" name="Google Shape;281;p40"/>
-          <p:cNvPicPr preferRelativeResize="0"/>
-          <p:nvPr/>
-        </p:nvPicPr>
-        <p:blipFill rotWithShape="1">
-          <a:blip r:embed="rId3">
-            <a:alphaModFix/>
-          </a:blip>
-          <a:srcRect/>
-          <a:stretch/>
-        </p:blipFill>
-        <p:spPr>
-          <a:xfrm>
-            <a:off x="103491" y="145580"/>
-            <a:ext cx="626264" cy="507837"/>
-          </a:xfrm>
-          <a:prstGeom prst="rect">
-            <a:avLst/>
-          </a:prstGeom>
-          <a:noFill/>
-          <a:ln>
-            <a:noFill/>
-          </a:ln>
-        </p:spPr>
-      </p:pic>
-      <p:sp>
-        <p:nvSpPr>
-          <p:cNvPr id="282" name="Google Shape;282;p40"/>
-          <p:cNvSpPr txBox="1"/>
-          <p:nvPr/>
-        </p:nvSpPr>
-        <p:spPr>
-          <a:xfrm>
-            <a:off x="224375" y="777928"/>
-            <a:ext cx="7755300" cy="1528500"/>
-          </a:xfrm>
-          <a:prstGeom prst="rect">
-            <a:avLst/>
-          </a:prstGeom>
-          <a:noFill/>
-          <a:ln>
-            <a:noFill/>
-          </a:ln>
-        </p:spPr>
-        <p:txBody>
-          <a:bodyPr spcFirstLastPara="1" wrap="square" lIns="91425" tIns="91425" rIns="91425" bIns="91425" anchor="t" anchorCtr="0">
-            <a:spAutoFit/>
-          </a:bodyPr>
-          <a:lstStyle/>
-          <a:p>
-            <a:pPr marL="457200" lvl="0" indent="-317500" algn="l" rtl="0">
-              <a:lnSpc>
-                <a:spcPct val="115000"/>
-              </a:lnSpc>
-              <a:spcBef>
-                <a:spcPts val="1000"/>
-              </a:spcBef>
-              <a:spcAft>
-                <a:spcPts val="0"/>
-              </a:spcAft>
-              <a:buClr>
-                <a:srgbClr val="434343"/>
-              </a:buClr>
-              <a:buSzPts val="1400"/>
-              <a:buFont typeface="Manrope"/>
-              <a:buChar char="●"/>
-            </a:pPr>
-            <a:r>
-              <a:rPr lang="en">
-                <a:solidFill>
-                  <a:srgbClr val="434343"/>
-                </a:solidFill>
-                <a:latin typeface="Manrope"/>
-                <a:ea typeface="Manrope"/>
-                <a:cs typeface="Manrope"/>
-                <a:sym typeface="Manrope"/>
-              </a:rPr>
-              <a:t>Food security impact analysis documentation (</a:t>
-            </a:r>
-            <a:r>
-              <a:rPr lang="en" u="sng">
-                <a:solidFill>
-                  <a:schemeClr val="hlink"/>
-                </a:solidFill>
-                <a:latin typeface="Manrope"/>
-                <a:ea typeface="Manrope"/>
-                <a:cs typeface="Manrope"/>
-                <a:sym typeface="Manrope"/>
-                <a:hlinkClick r:id="rId4"/>
-              </a:rPr>
-              <a:t>Confluence</a:t>
-            </a:r>
-            <a:r>
-              <a:rPr lang="en">
-                <a:solidFill>
-                  <a:srgbClr val="434343"/>
-                </a:solidFill>
-                <a:latin typeface="Manrope"/>
-                <a:ea typeface="Manrope"/>
-                <a:cs typeface="Manrope"/>
-                <a:sym typeface="Manrope"/>
-              </a:rPr>
-              <a:t>)</a:t>
-            </a:r>
-            <a:endParaRPr>
-              <a:solidFill>
-                <a:srgbClr val="434343"/>
-              </a:solidFill>
-              <a:latin typeface="Manrope"/>
-              <a:ea typeface="Manrope"/>
-              <a:cs typeface="Manrope"/>
-              <a:sym typeface="Manrope"/>
-            </a:endParaRPr>
-          </a:p>
-          <a:p>
-            <a:pPr marL="457200" lvl="0" indent="-317500" algn="l" rtl="0">
-              <a:lnSpc>
-                <a:spcPct val="115000"/>
-              </a:lnSpc>
-              <a:spcBef>
-                <a:spcPts val="1000"/>
-              </a:spcBef>
-              <a:spcAft>
-                <a:spcPts val="0"/>
-              </a:spcAft>
-              <a:buClr>
-                <a:srgbClr val="434343"/>
-              </a:buClr>
-              <a:buSzPts val="1400"/>
-              <a:buFont typeface="Manrope"/>
-              <a:buChar char="●"/>
-            </a:pPr>
-            <a:r>
-              <a:rPr lang="en">
-                <a:solidFill>
-                  <a:srgbClr val="434343"/>
-                </a:solidFill>
-                <a:latin typeface="Manrope"/>
-                <a:ea typeface="Manrope"/>
-                <a:cs typeface="Manrope"/>
-                <a:sym typeface="Manrope"/>
-              </a:rPr>
-              <a:t>Food security impact analysis </a:t>
-            </a:r>
-            <a:r>
-              <a:rPr lang="en" u="sng">
-                <a:solidFill>
-                  <a:schemeClr val="hlink"/>
-                </a:solidFill>
-                <a:latin typeface="Manrope"/>
-                <a:ea typeface="Manrope"/>
-                <a:cs typeface="Manrope"/>
-                <a:sym typeface="Manrope"/>
-                <a:hlinkClick r:id="rId5"/>
-              </a:rPr>
-              <a:t>Github repository</a:t>
-            </a:r>
-            <a:endParaRPr>
-              <a:solidFill>
-                <a:srgbClr val="434343"/>
-              </a:solidFill>
-              <a:latin typeface="Manrope"/>
-              <a:ea typeface="Manrope"/>
-              <a:cs typeface="Manrope"/>
-              <a:sym typeface="Manrope"/>
-            </a:endParaRPr>
-          </a:p>
-          <a:p>
-            <a:pPr marL="457200" lvl="0" indent="-317500" algn="l" rtl="0">
-              <a:lnSpc>
-                <a:spcPct val="115000"/>
-              </a:lnSpc>
-              <a:spcBef>
-                <a:spcPts val="1000"/>
-              </a:spcBef>
-              <a:spcAft>
-                <a:spcPts val="0"/>
-              </a:spcAft>
-              <a:buClr>
-                <a:srgbClr val="434343"/>
-              </a:buClr>
-              <a:buSzPts val="1400"/>
-              <a:buFont typeface="Manrope"/>
-              <a:buChar char="●"/>
-            </a:pPr>
-            <a:r>
-              <a:rPr lang="en" u="sng">
-                <a:solidFill>
-                  <a:schemeClr val="hlink"/>
-                </a:solidFill>
-                <a:latin typeface="Manrope"/>
-                <a:ea typeface="Manrope"/>
-                <a:cs typeface="Manrope"/>
-                <a:sym typeface="Manrope"/>
-                <a:hlinkClick r:id="rId6"/>
-              </a:rPr>
-              <a:t>Current Impact Measurement Initiatives</a:t>
-            </a:r>
-            <a:r>
-              <a:rPr lang="en">
-                <a:solidFill>
-                  <a:srgbClr val="434343"/>
-                </a:solidFill>
-                <a:latin typeface="Manrope"/>
-                <a:ea typeface="Manrope"/>
-                <a:cs typeface="Manrope"/>
-                <a:sym typeface="Manrope"/>
-              </a:rPr>
-              <a:t> (November, 2025)</a:t>
-            </a:r>
-            <a:endParaRPr>
-              <a:solidFill>
-                <a:srgbClr val="434343"/>
-              </a:solidFill>
-              <a:latin typeface="Manrope"/>
-              <a:ea typeface="Manrope"/>
-              <a:cs typeface="Manrope"/>
-              <a:sym typeface="Manrope"/>
-            </a:endParaRPr>
-          </a:p>
-          <a:p>
-            <a:pPr marL="457200" lvl="0" indent="-317500" algn="l" rtl="0">
-              <a:lnSpc>
-                <a:spcPct val="115000"/>
-              </a:lnSpc>
-              <a:spcBef>
-                <a:spcPts val="1000"/>
-              </a:spcBef>
-              <a:spcAft>
-                <a:spcPts val="0"/>
-              </a:spcAft>
-              <a:buClr>
-                <a:srgbClr val="434343"/>
-              </a:buClr>
-              <a:buSzPts val="1400"/>
-              <a:buFont typeface="Manrope"/>
-              <a:buChar char="●"/>
-            </a:pPr>
-            <a:r>
-              <a:rPr lang="en" u="sng">
-                <a:solidFill>
-                  <a:schemeClr val="hlink"/>
-                </a:solidFill>
-                <a:latin typeface="Manrope"/>
-                <a:ea typeface="Manrope"/>
-                <a:cs typeface="Manrope"/>
-                <a:sym typeface="Manrope"/>
-                <a:hlinkClick r:id="rId7"/>
-              </a:rPr>
-              <a:t>Sorghum field research</a:t>
-            </a:r>
-            <a:r>
-              <a:rPr lang="en">
-                <a:solidFill>
-                  <a:srgbClr val="434343"/>
-                </a:solidFill>
-                <a:latin typeface="Manrope"/>
-                <a:ea typeface="Manrope"/>
-                <a:cs typeface="Manrope"/>
-                <a:sym typeface="Manrope"/>
-              </a:rPr>
-              <a:t> (Senegal, August, 2025)</a:t>
-            </a:r>
-            <a:endParaRPr>
-              <a:solidFill>
-                <a:srgbClr val="434343"/>
-              </a:solidFill>
-              <a:latin typeface="Manrope"/>
-              <a:ea typeface="Manrope"/>
-              <a:cs typeface="Manrope"/>
-              <a:sym typeface="Manrope"/>
-            </a:endParaRPr>
-          </a:p>
-        </p:txBody>
-      </p:sp>
     </p:spTree>
   </p:cSld>
   <p:clrMapOvr>
@@ -37665,20 +36800,7 @@
                 <a:sym typeface="Manrope"/>
                 <a:hlinkClick r:id="rId3"/>
               </a:rPr>
-              <a:t>A</a:t>
-            </a:r>
-            <a:r>
-              <a:rPr lang="en" u="sng">
-                <a:solidFill>
-                  <a:schemeClr val="hlink"/>
-                </a:solidFill>
-                <a:latin typeface="Manrope"/>
-                <a:ea typeface="Manrope"/>
-                <a:cs typeface="Manrope"/>
-                <a:sym typeface="Manrope"/>
-                <a:hlinkClick r:id="rId3"/>
-              </a:rPr>
-              <a:t>nnual impact reporting</a:t>
+              <a:t>Annual impact reporting</a:t>
             </a:r>
             <a:r>
               <a:rPr lang="en">
